--- a/ppt 16-9/0243.主十字架.pptx
+++ b/ppt 16-9/0243.主十字架.pptx
@@ -129,7 +129,7 @@
           <p:cNvPr id="2" name="标题 1">
             <a:extLst>
               <a:ext uri="{FF2B5EF4-FFF2-40B4-BE49-F238E27FC236}">
-                <a16:creationId xmlns:a16="http://schemas.microsoft.com/office/drawing/2014/main" id="{0F32B415-2040-47B4-B288-8D615A7E1ECE}"/>
+                <a16:creationId xmlns:a16="http://schemas.microsoft.com/office/drawing/2014/main" id="{B35ADE11-84A8-1EC3-8B39-17A4148C9B07}"/>
               </a:ext>
             </a:extLst>
           </p:cNvPr>
@@ -166,7 +166,7 @@
           <p:cNvPr id="3" name="副标题 2">
             <a:extLst>
               <a:ext uri="{FF2B5EF4-FFF2-40B4-BE49-F238E27FC236}">
-                <a16:creationId xmlns:a16="http://schemas.microsoft.com/office/drawing/2014/main" id="{3AA8A257-C164-D563-6F67-1031D3CB7068}"/>
+                <a16:creationId xmlns:a16="http://schemas.microsoft.com/office/drawing/2014/main" id="{60DC9BB1-7E3B-6C09-4914-C2FD1BF6DCDC}"/>
               </a:ext>
             </a:extLst>
           </p:cNvPr>
@@ -236,7 +236,7 @@
           <p:cNvPr id="4" name="日期占位符 3">
             <a:extLst>
               <a:ext uri="{FF2B5EF4-FFF2-40B4-BE49-F238E27FC236}">
-                <a16:creationId xmlns:a16="http://schemas.microsoft.com/office/drawing/2014/main" id="{E75F4D94-F1F4-2F56-8D4D-BA4D02E8ABBC}"/>
+                <a16:creationId xmlns:a16="http://schemas.microsoft.com/office/drawing/2014/main" id="{670FA5E1-8A2A-0E9F-9B52-B4F5AD48478B}"/>
               </a:ext>
             </a:extLst>
           </p:cNvPr>
@@ -252,7 +252,7 @@
           <a:bodyPr/>
           <a:lstStyle/>
           <a:p>
-            <a:fld id="{0FDC8F61-C2E6-4650-AD42-B88633AFC05D}" type="datetimeFigureOut">
+            <a:fld id="{1408FFBD-2D67-4358-8D8C-83C60BDBB8E3}" type="datetimeFigureOut">
               <a:rPr lang="zh-CN" altLang="en-US" smtClean="0"/>
               <a:t>2024/3/10</a:t>
             </a:fld>
@@ -265,7 +265,7 @@
           <p:cNvPr id="5" name="页脚占位符 4">
             <a:extLst>
               <a:ext uri="{FF2B5EF4-FFF2-40B4-BE49-F238E27FC236}">
-                <a16:creationId xmlns:a16="http://schemas.microsoft.com/office/drawing/2014/main" id="{10512F9C-0E52-0ECC-BF4B-CF18BFBC9FF0}"/>
+                <a16:creationId xmlns:a16="http://schemas.microsoft.com/office/drawing/2014/main" id="{241F2052-1D10-34D7-EFDC-F37F3643AA0C}"/>
               </a:ext>
             </a:extLst>
           </p:cNvPr>
@@ -290,7 +290,7 @@
           <p:cNvPr id="6" name="灯片编号占位符 5">
             <a:extLst>
               <a:ext uri="{FF2B5EF4-FFF2-40B4-BE49-F238E27FC236}">
-                <a16:creationId xmlns:a16="http://schemas.microsoft.com/office/drawing/2014/main" id="{4FE42E99-E7B6-B229-6BB7-9035860E0C59}"/>
+                <a16:creationId xmlns:a16="http://schemas.microsoft.com/office/drawing/2014/main" id="{3667471F-A585-1E37-7F9A-E9FFC5671C8C}"/>
               </a:ext>
             </a:extLst>
           </p:cNvPr>
@@ -306,7 +306,7 @@
           <a:bodyPr/>
           <a:lstStyle/>
           <a:p>
-            <a:fld id="{AF3684DE-EDD5-4CDB-9B18-CAF1F932AFE2}" type="slidenum">
+            <a:fld id="{4E3F00B0-F2F1-400F-B43C-814599270182}" type="slidenum">
               <a:rPr lang="zh-CN" altLang="en-US" smtClean="0"/>
               <a:t>‹#›</a:t>
             </a:fld>
@@ -317,7 +317,7 @@
     </p:spTree>
     <p:extLst>
       <p:ext uri="{BB962C8B-B14F-4D97-AF65-F5344CB8AC3E}">
-        <p14:creationId xmlns:p14="http://schemas.microsoft.com/office/powerpoint/2010/main" val="3900599530"/>
+        <p14:creationId xmlns:p14="http://schemas.microsoft.com/office/powerpoint/2010/main" val="3297935529"/>
       </p:ext>
     </p:extLst>
   </p:cSld>
@@ -349,7 +349,7 @@
           <p:cNvPr id="2" name="标题 1">
             <a:extLst>
               <a:ext uri="{FF2B5EF4-FFF2-40B4-BE49-F238E27FC236}">
-                <a16:creationId xmlns:a16="http://schemas.microsoft.com/office/drawing/2014/main" id="{311D92A2-20E6-0FB5-C91B-E2BD000C81D0}"/>
+                <a16:creationId xmlns:a16="http://schemas.microsoft.com/office/drawing/2014/main" id="{ED3DCD6D-6F80-1BBA-1948-47124BC42CE2}"/>
               </a:ext>
             </a:extLst>
           </p:cNvPr>
@@ -377,7 +377,7 @@
           <p:cNvPr id="3" name="竖排文字占位符 2">
             <a:extLst>
               <a:ext uri="{FF2B5EF4-FFF2-40B4-BE49-F238E27FC236}">
-                <a16:creationId xmlns:a16="http://schemas.microsoft.com/office/drawing/2014/main" id="{0ACA747C-DF7C-38CC-1AD0-880326FEFFF3}"/>
+                <a16:creationId xmlns:a16="http://schemas.microsoft.com/office/drawing/2014/main" id="{E26E4A2E-E32D-F236-29FD-0C3EBBE4E2FA}"/>
               </a:ext>
             </a:extLst>
           </p:cNvPr>
@@ -434,7 +434,7 @@
           <p:cNvPr id="4" name="日期占位符 3">
             <a:extLst>
               <a:ext uri="{FF2B5EF4-FFF2-40B4-BE49-F238E27FC236}">
-                <a16:creationId xmlns:a16="http://schemas.microsoft.com/office/drawing/2014/main" id="{5092848E-7C4C-5251-D647-343FE66CF475}"/>
+                <a16:creationId xmlns:a16="http://schemas.microsoft.com/office/drawing/2014/main" id="{AF233254-944C-3907-B008-3D2FCAFB0913}"/>
               </a:ext>
             </a:extLst>
           </p:cNvPr>
@@ -450,7 +450,7 @@
           <a:bodyPr/>
           <a:lstStyle/>
           <a:p>
-            <a:fld id="{0FDC8F61-C2E6-4650-AD42-B88633AFC05D}" type="datetimeFigureOut">
+            <a:fld id="{1408FFBD-2D67-4358-8D8C-83C60BDBB8E3}" type="datetimeFigureOut">
               <a:rPr lang="zh-CN" altLang="en-US" smtClean="0"/>
               <a:t>2024/3/10</a:t>
             </a:fld>
@@ -463,7 +463,7 @@
           <p:cNvPr id="5" name="页脚占位符 4">
             <a:extLst>
               <a:ext uri="{FF2B5EF4-FFF2-40B4-BE49-F238E27FC236}">
-                <a16:creationId xmlns:a16="http://schemas.microsoft.com/office/drawing/2014/main" id="{64D22720-72EE-C1E6-842F-3871EC6E2AE7}"/>
+                <a16:creationId xmlns:a16="http://schemas.microsoft.com/office/drawing/2014/main" id="{A35CF0AF-C30A-06CE-7978-33FB2343C65A}"/>
               </a:ext>
             </a:extLst>
           </p:cNvPr>
@@ -488,7 +488,7 @@
           <p:cNvPr id="6" name="灯片编号占位符 5">
             <a:extLst>
               <a:ext uri="{FF2B5EF4-FFF2-40B4-BE49-F238E27FC236}">
-                <a16:creationId xmlns:a16="http://schemas.microsoft.com/office/drawing/2014/main" id="{E8286DB5-0792-236C-2580-747091FF3FB8}"/>
+                <a16:creationId xmlns:a16="http://schemas.microsoft.com/office/drawing/2014/main" id="{1AA01873-9284-6A84-6335-8BFAD995FAB3}"/>
               </a:ext>
             </a:extLst>
           </p:cNvPr>
@@ -504,7 +504,7 @@
           <a:bodyPr/>
           <a:lstStyle/>
           <a:p>
-            <a:fld id="{AF3684DE-EDD5-4CDB-9B18-CAF1F932AFE2}" type="slidenum">
+            <a:fld id="{4E3F00B0-F2F1-400F-B43C-814599270182}" type="slidenum">
               <a:rPr lang="zh-CN" altLang="en-US" smtClean="0"/>
               <a:t>‹#›</a:t>
             </a:fld>
@@ -515,7 +515,7 @@
     </p:spTree>
     <p:extLst>
       <p:ext uri="{BB962C8B-B14F-4D97-AF65-F5344CB8AC3E}">
-        <p14:creationId xmlns:p14="http://schemas.microsoft.com/office/powerpoint/2010/main" val="4182498845"/>
+        <p14:creationId xmlns:p14="http://schemas.microsoft.com/office/powerpoint/2010/main" val="1287634283"/>
       </p:ext>
     </p:extLst>
   </p:cSld>
@@ -547,7 +547,7 @@
           <p:cNvPr id="2" name="竖排标题 1">
             <a:extLst>
               <a:ext uri="{FF2B5EF4-FFF2-40B4-BE49-F238E27FC236}">
-                <a16:creationId xmlns:a16="http://schemas.microsoft.com/office/drawing/2014/main" id="{788ECF69-EFEC-0D46-A460-3E6D469E53EA}"/>
+                <a16:creationId xmlns:a16="http://schemas.microsoft.com/office/drawing/2014/main" id="{B922C893-D8BB-63C1-4D9B-056CE522E9CB}"/>
               </a:ext>
             </a:extLst>
           </p:cNvPr>
@@ -580,7 +580,7 @@
           <p:cNvPr id="3" name="竖排文字占位符 2">
             <a:extLst>
               <a:ext uri="{FF2B5EF4-FFF2-40B4-BE49-F238E27FC236}">
-                <a16:creationId xmlns:a16="http://schemas.microsoft.com/office/drawing/2014/main" id="{114BAD9A-DFE9-6578-A827-DCB5BC6EB05C}"/>
+                <a16:creationId xmlns:a16="http://schemas.microsoft.com/office/drawing/2014/main" id="{6BD6B72C-A77F-16BA-19AD-261382161B10}"/>
               </a:ext>
             </a:extLst>
           </p:cNvPr>
@@ -642,7 +642,7 @@
           <p:cNvPr id="4" name="日期占位符 3">
             <a:extLst>
               <a:ext uri="{FF2B5EF4-FFF2-40B4-BE49-F238E27FC236}">
-                <a16:creationId xmlns:a16="http://schemas.microsoft.com/office/drawing/2014/main" id="{954368E6-FD17-F0F7-A6A5-4F21A0540E40}"/>
+                <a16:creationId xmlns:a16="http://schemas.microsoft.com/office/drawing/2014/main" id="{2BA3E624-FAF4-A2B2-D01C-4C6F87BC2F61}"/>
               </a:ext>
             </a:extLst>
           </p:cNvPr>
@@ -658,7 +658,7 @@
           <a:bodyPr/>
           <a:lstStyle/>
           <a:p>
-            <a:fld id="{0FDC8F61-C2E6-4650-AD42-B88633AFC05D}" type="datetimeFigureOut">
+            <a:fld id="{1408FFBD-2D67-4358-8D8C-83C60BDBB8E3}" type="datetimeFigureOut">
               <a:rPr lang="zh-CN" altLang="en-US" smtClean="0"/>
               <a:t>2024/3/10</a:t>
             </a:fld>
@@ -671,7 +671,7 @@
           <p:cNvPr id="5" name="页脚占位符 4">
             <a:extLst>
               <a:ext uri="{FF2B5EF4-FFF2-40B4-BE49-F238E27FC236}">
-                <a16:creationId xmlns:a16="http://schemas.microsoft.com/office/drawing/2014/main" id="{DB3AF7DA-3E40-5DA7-1082-D571D2176DE6}"/>
+                <a16:creationId xmlns:a16="http://schemas.microsoft.com/office/drawing/2014/main" id="{ABB3C851-88C1-08D0-6CC5-F9193BCB4683}"/>
               </a:ext>
             </a:extLst>
           </p:cNvPr>
@@ -696,7 +696,7 @@
           <p:cNvPr id="6" name="灯片编号占位符 5">
             <a:extLst>
               <a:ext uri="{FF2B5EF4-FFF2-40B4-BE49-F238E27FC236}">
-                <a16:creationId xmlns:a16="http://schemas.microsoft.com/office/drawing/2014/main" id="{664559F6-2064-BE81-4C66-0999F8E6C71F}"/>
+                <a16:creationId xmlns:a16="http://schemas.microsoft.com/office/drawing/2014/main" id="{2FC2E494-9174-1618-BE84-F7102A2D3B15}"/>
               </a:ext>
             </a:extLst>
           </p:cNvPr>
@@ -712,7 +712,7 @@
           <a:bodyPr/>
           <a:lstStyle/>
           <a:p>
-            <a:fld id="{AF3684DE-EDD5-4CDB-9B18-CAF1F932AFE2}" type="slidenum">
+            <a:fld id="{4E3F00B0-F2F1-400F-B43C-814599270182}" type="slidenum">
               <a:rPr lang="zh-CN" altLang="en-US" smtClean="0"/>
               <a:t>‹#›</a:t>
             </a:fld>
@@ -723,7 +723,7 @@
     </p:spTree>
     <p:extLst>
       <p:ext uri="{BB962C8B-B14F-4D97-AF65-F5344CB8AC3E}">
-        <p14:creationId xmlns:p14="http://schemas.microsoft.com/office/powerpoint/2010/main" val="2766380758"/>
+        <p14:creationId xmlns:p14="http://schemas.microsoft.com/office/powerpoint/2010/main" val="3638465141"/>
       </p:ext>
     </p:extLst>
   </p:cSld>
@@ -755,7 +755,7 @@
           <p:cNvPr id="2" name="标题 1">
             <a:extLst>
               <a:ext uri="{FF2B5EF4-FFF2-40B4-BE49-F238E27FC236}">
-                <a16:creationId xmlns:a16="http://schemas.microsoft.com/office/drawing/2014/main" id="{91A56A55-44ED-8067-1861-5B397F44768B}"/>
+                <a16:creationId xmlns:a16="http://schemas.microsoft.com/office/drawing/2014/main" id="{275F6177-7BB6-F1FE-28A4-FB04EAB2C410}"/>
               </a:ext>
             </a:extLst>
           </p:cNvPr>
@@ -783,7 +783,7 @@
           <p:cNvPr id="3" name="内容占位符 2">
             <a:extLst>
               <a:ext uri="{FF2B5EF4-FFF2-40B4-BE49-F238E27FC236}">
-                <a16:creationId xmlns:a16="http://schemas.microsoft.com/office/drawing/2014/main" id="{BF19C4E9-7804-5EE7-F04A-D3AA4DFFE213}"/>
+                <a16:creationId xmlns:a16="http://schemas.microsoft.com/office/drawing/2014/main" id="{D5981B91-4ABD-22DF-2EC4-174F2A7B6295}"/>
               </a:ext>
             </a:extLst>
           </p:cNvPr>
@@ -840,7 +840,7 @@
           <p:cNvPr id="4" name="日期占位符 3">
             <a:extLst>
               <a:ext uri="{FF2B5EF4-FFF2-40B4-BE49-F238E27FC236}">
-                <a16:creationId xmlns:a16="http://schemas.microsoft.com/office/drawing/2014/main" id="{BE065ECC-DF6B-5D83-ED91-DE831216FF3B}"/>
+                <a16:creationId xmlns:a16="http://schemas.microsoft.com/office/drawing/2014/main" id="{75BC5809-708D-7651-BEE9-51D431A14178}"/>
               </a:ext>
             </a:extLst>
           </p:cNvPr>
@@ -856,7 +856,7 @@
           <a:bodyPr/>
           <a:lstStyle/>
           <a:p>
-            <a:fld id="{0FDC8F61-C2E6-4650-AD42-B88633AFC05D}" type="datetimeFigureOut">
+            <a:fld id="{1408FFBD-2D67-4358-8D8C-83C60BDBB8E3}" type="datetimeFigureOut">
               <a:rPr lang="zh-CN" altLang="en-US" smtClean="0"/>
               <a:t>2024/3/10</a:t>
             </a:fld>
@@ -869,7 +869,7 @@
           <p:cNvPr id="5" name="页脚占位符 4">
             <a:extLst>
               <a:ext uri="{FF2B5EF4-FFF2-40B4-BE49-F238E27FC236}">
-                <a16:creationId xmlns:a16="http://schemas.microsoft.com/office/drawing/2014/main" id="{D180EF08-FB97-9998-3940-08819B027F66}"/>
+                <a16:creationId xmlns:a16="http://schemas.microsoft.com/office/drawing/2014/main" id="{EDFF74EC-A81A-D927-D480-1D7CD6A30EF6}"/>
               </a:ext>
             </a:extLst>
           </p:cNvPr>
@@ -894,7 +894,7 @@
           <p:cNvPr id="6" name="灯片编号占位符 5">
             <a:extLst>
               <a:ext uri="{FF2B5EF4-FFF2-40B4-BE49-F238E27FC236}">
-                <a16:creationId xmlns:a16="http://schemas.microsoft.com/office/drawing/2014/main" id="{E2928EEC-131A-75ED-0DA5-A202133A9E2D}"/>
+                <a16:creationId xmlns:a16="http://schemas.microsoft.com/office/drawing/2014/main" id="{35210607-62EA-9B0D-0A42-DA4510B2408A}"/>
               </a:ext>
             </a:extLst>
           </p:cNvPr>
@@ -910,7 +910,7 @@
           <a:bodyPr/>
           <a:lstStyle/>
           <a:p>
-            <a:fld id="{AF3684DE-EDD5-4CDB-9B18-CAF1F932AFE2}" type="slidenum">
+            <a:fld id="{4E3F00B0-F2F1-400F-B43C-814599270182}" type="slidenum">
               <a:rPr lang="zh-CN" altLang="en-US" smtClean="0"/>
               <a:t>‹#›</a:t>
             </a:fld>
@@ -921,7 +921,7 @@
     </p:spTree>
     <p:extLst>
       <p:ext uri="{BB962C8B-B14F-4D97-AF65-F5344CB8AC3E}">
-        <p14:creationId xmlns:p14="http://schemas.microsoft.com/office/powerpoint/2010/main" val="878822831"/>
+        <p14:creationId xmlns:p14="http://schemas.microsoft.com/office/powerpoint/2010/main" val="2385726828"/>
       </p:ext>
     </p:extLst>
   </p:cSld>
@@ -953,7 +953,7 @@
           <p:cNvPr id="2" name="标题 1">
             <a:extLst>
               <a:ext uri="{FF2B5EF4-FFF2-40B4-BE49-F238E27FC236}">
-                <a16:creationId xmlns:a16="http://schemas.microsoft.com/office/drawing/2014/main" id="{9733ECA3-F725-B986-2F5A-0DC012D54D7A}"/>
+                <a16:creationId xmlns:a16="http://schemas.microsoft.com/office/drawing/2014/main" id="{C18D8D2C-D759-F6EF-AE80-EB68DE6A501B}"/>
               </a:ext>
             </a:extLst>
           </p:cNvPr>
@@ -990,7 +990,7 @@
           <p:cNvPr id="3" name="文本占位符 2">
             <a:extLst>
               <a:ext uri="{FF2B5EF4-FFF2-40B4-BE49-F238E27FC236}">
-                <a16:creationId xmlns:a16="http://schemas.microsoft.com/office/drawing/2014/main" id="{71534C62-F3CC-90EA-3B92-D4D3CF00F467}"/>
+                <a16:creationId xmlns:a16="http://schemas.microsoft.com/office/drawing/2014/main" id="{55C79026-72C5-0B3A-F6F8-6BA8C696488E}"/>
               </a:ext>
             </a:extLst>
           </p:cNvPr>
@@ -1115,7 +1115,7 @@
           <p:cNvPr id="4" name="日期占位符 3">
             <a:extLst>
               <a:ext uri="{FF2B5EF4-FFF2-40B4-BE49-F238E27FC236}">
-                <a16:creationId xmlns:a16="http://schemas.microsoft.com/office/drawing/2014/main" id="{DBB92FFB-1DF2-A367-9344-A4BA52789D91}"/>
+                <a16:creationId xmlns:a16="http://schemas.microsoft.com/office/drawing/2014/main" id="{69886C25-9702-801B-3348-65D62A8D824F}"/>
               </a:ext>
             </a:extLst>
           </p:cNvPr>
@@ -1131,7 +1131,7 @@
           <a:bodyPr/>
           <a:lstStyle/>
           <a:p>
-            <a:fld id="{0FDC8F61-C2E6-4650-AD42-B88633AFC05D}" type="datetimeFigureOut">
+            <a:fld id="{1408FFBD-2D67-4358-8D8C-83C60BDBB8E3}" type="datetimeFigureOut">
               <a:rPr lang="zh-CN" altLang="en-US" smtClean="0"/>
               <a:t>2024/3/10</a:t>
             </a:fld>
@@ -1144,7 +1144,7 @@
           <p:cNvPr id="5" name="页脚占位符 4">
             <a:extLst>
               <a:ext uri="{FF2B5EF4-FFF2-40B4-BE49-F238E27FC236}">
-                <a16:creationId xmlns:a16="http://schemas.microsoft.com/office/drawing/2014/main" id="{28FB331A-3D0E-341E-EEE1-16F9E3EC0650}"/>
+                <a16:creationId xmlns:a16="http://schemas.microsoft.com/office/drawing/2014/main" id="{CC671F62-1E6F-857A-331D-6A5E4B2806BB}"/>
               </a:ext>
             </a:extLst>
           </p:cNvPr>
@@ -1169,7 +1169,7 @@
           <p:cNvPr id="6" name="灯片编号占位符 5">
             <a:extLst>
               <a:ext uri="{FF2B5EF4-FFF2-40B4-BE49-F238E27FC236}">
-                <a16:creationId xmlns:a16="http://schemas.microsoft.com/office/drawing/2014/main" id="{B01B17A1-9AF4-197D-6B5B-E3F86098CBE2}"/>
+                <a16:creationId xmlns:a16="http://schemas.microsoft.com/office/drawing/2014/main" id="{0C99A7FF-F991-46C7-F80C-61F40A67ECFF}"/>
               </a:ext>
             </a:extLst>
           </p:cNvPr>
@@ -1185,7 +1185,7 @@
           <a:bodyPr/>
           <a:lstStyle/>
           <a:p>
-            <a:fld id="{AF3684DE-EDD5-4CDB-9B18-CAF1F932AFE2}" type="slidenum">
+            <a:fld id="{4E3F00B0-F2F1-400F-B43C-814599270182}" type="slidenum">
               <a:rPr lang="zh-CN" altLang="en-US" smtClean="0"/>
               <a:t>‹#›</a:t>
             </a:fld>
@@ -1196,7 +1196,7 @@
     </p:spTree>
     <p:extLst>
       <p:ext uri="{BB962C8B-B14F-4D97-AF65-F5344CB8AC3E}">
-        <p14:creationId xmlns:p14="http://schemas.microsoft.com/office/powerpoint/2010/main" val="2244223748"/>
+        <p14:creationId xmlns:p14="http://schemas.microsoft.com/office/powerpoint/2010/main" val="581167578"/>
       </p:ext>
     </p:extLst>
   </p:cSld>
@@ -1228,7 +1228,7 @@
           <p:cNvPr id="2" name="标题 1">
             <a:extLst>
               <a:ext uri="{FF2B5EF4-FFF2-40B4-BE49-F238E27FC236}">
-                <a16:creationId xmlns:a16="http://schemas.microsoft.com/office/drawing/2014/main" id="{ACA84958-57A8-2979-A33F-2E3DD82FC583}"/>
+                <a16:creationId xmlns:a16="http://schemas.microsoft.com/office/drawing/2014/main" id="{C7D22B9D-3B5C-3F2E-7969-D001CCEC1786}"/>
               </a:ext>
             </a:extLst>
           </p:cNvPr>
@@ -1256,7 +1256,7 @@
           <p:cNvPr id="3" name="内容占位符 2">
             <a:extLst>
               <a:ext uri="{FF2B5EF4-FFF2-40B4-BE49-F238E27FC236}">
-                <a16:creationId xmlns:a16="http://schemas.microsoft.com/office/drawing/2014/main" id="{9618C9FE-B015-9E88-1DEE-3B917CB31835}"/>
+                <a16:creationId xmlns:a16="http://schemas.microsoft.com/office/drawing/2014/main" id="{00BB8954-3BB4-6B2F-7DEF-5C55B3E81468}"/>
               </a:ext>
             </a:extLst>
           </p:cNvPr>
@@ -1318,7 +1318,7 @@
           <p:cNvPr id="4" name="内容占位符 3">
             <a:extLst>
               <a:ext uri="{FF2B5EF4-FFF2-40B4-BE49-F238E27FC236}">
-                <a16:creationId xmlns:a16="http://schemas.microsoft.com/office/drawing/2014/main" id="{BF034274-BD79-20F9-B3BB-97E18DB3BF70}"/>
+                <a16:creationId xmlns:a16="http://schemas.microsoft.com/office/drawing/2014/main" id="{4BF01501-3D39-EDDF-11AF-DEFB2C4EBB85}"/>
               </a:ext>
             </a:extLst>
           </p:cNvPr>
@@ -1380,7 +1380,7 @@
           <p:cNvPr id="5" name="日期占位符 4">
             <a:extLst>
               <a:ext uri="{FF2B5EF4-FFF2-40B4-BE49-F238E27FC236}">
-                <a16:creationId xmlns:a16="http://schemas.microsoft.com/office/drawing/2014/main" id="{1B175F49-9207-E601-5D96-E78C98D85508}"/>
+                <a16:creationId xmlns:a16="http://schemas.microsoft.com/office/drawing/2014/main" id="{7F6BCAFA-2989-FE10-0F20-39782DE54C90}"/>
               </a:ext>
             </a:extLst>
           </p:cNvPr>
@@ -1396,7 +1396,7 @@
           <a:bodyPr/>
           <a:lstStyle/>
           <a:p>
-            <a:fld id="{0FDC8F61-C2E6-4650-AD42-B88633AFC05D}" type="datetimeFigureOut">
+            <a:fld id="{1408FFBD-2D67-4358-8D8C-83C60BDBB8E3}" type="datetimeFigureOut">
               <a:rPr lang="zh-CN" altLang="en-US" smtClean="0"/>
               <a:t>2024/3/10</a:t>
             </a:fld>
@@ -1409,7 +1409,7 @@
           <p:cNvPr id="6" name="页脚占位符 5">
             <a:extLst>
               <a:ext uri="{FF2B5EF4-FFF2-40B4-BE49-F238E27FC236}">
-                <a16:creationId xmlns:a16="http://schemas.microsoft.com/office/drawing/2014/main" id="{0B257DAF-5F20-62A7-2851-1698B5E19436}"/>
+                <a16:creationId xmlns:a16="http://schemas.microsoft.com/office/drawing/2014/main" id="{526E4332-017E-9D87-F2B3-0EB6EB25A6CF}"/>
               </a:ext>
             </a:extLst>
           </p:cNvPr>
@@ -1434,7 +1434,7 @@
           <p:cNvPr id="7" name="灯片编号占位符 6">
             <a:extLst>
               <a:ext uri="{FF2B5EF4-FFF2-40B4-BE49-F238E27FC236}">
-                <a16:creationId xmlns:a16="http://schemas.microsoft.com/office/drawing/2014/main" id="{69D8464C-96CD-17AB-A44E-76612C6CE451}"/>
+                <a16:creationId xmlns:a16="http://schemas.microsoft.com/office/drawing/2014/main" id="{A707634A-F0F1-6F31-538F-1843643D4179}"/>
               </a:ext>
             </a:extLst>
           </p:cNvPr>
@@ -1450,7 +1450,7 @@
           <a:bodyPr/>
           <a:lstStyle/>
           <a:p>
-            <a:fld id="{AF3684DE-EDD5-4CDB-9B18-CAF1F932AFE2}" type="slidenum">
+            <a:fld id="{4E3F00B0-F2F1-400F-B43C-814599270182}" type="slidenum">
               <a:rPr lang="zh-CN" altLang="en-US" smtClean="0"/>
               <a:t>‹#›</a:t>
             </a:fld>
@@ -1461,7 +1461,7 @@
     </p:spTree>
     <p:extLst>
       <p:ext uri="{BB962C8B-B14F-4D97-AF65-F5344CB8AC3E}">
-        <p14:creationId xmlns:p14="http://schemas.microsoft.com/office/powerpoint/2010/main" val="3656766854"/>
+        <p14:creationId xmlns:p14="http://schemas.microsoft.com/office/powerpoint/2010/main" val="669891476"/>
       </p:ext>
     </p:extLst>
   </p:cSld>
@@ -1493,7 +1493,7 @@
           <p:cNvPr id="2" name="标题 1">
             <a:extLst>
               <a:ext uri="{FF2B5EF4-FFF2-40B4-BE49-F238E27FC236}">
-                <a16:creationId xmlns:a16="http://schemas.microsoft.com/office/drawing/2014/main" id="{EC0B74D4-FB7D-82F3-0C36-CD256388B79A}"/>
+                <a16:creationId xmlns:a16="http://schemas.microsoft.com/office/drawing/2014/main" id="{D3382E3A-6BD4-F766-4B7F-16B4F8B142CA}"/>
               </a:ext>
             </a:extLst>
           </p:cNvPr>
@@ -1526,7 +1526,7 @@
           <p:cNvPr id="3" name="文本占位符 2">
             <a:extLst>
               <a:ext uri="{FF2B5EF4-FFF2-40B4-BE49-F238E27FC236}">
-                <a16:creationId xmlns:a16="http://schemas.microsoft.com/office/drawing/2014/main" id="{074F3C1B-78B0-13F6-8071-EB17CD54CD4F}"/>
+                <a16:creationId xmlns:a16="http://schemas.microsoft.com/office/drawing/2014/main" id="{7BCA6F10-1AB6-ED9A-65F7-770BA8EDD18B}"/>
               </a:ext>
             </a:extLst>
           </p:cNvPr>
@@ -1597,7 +1597,7 @@
           <p:cNvPr id="4" name="内容占位符 3">
             <a:extLst>
               <a:ext uri="{FF2B5EF4-FFF2-40B4-BE49-F238E27FC236}">
-                <a16:creationId xmlns:a16="http://schemas.microsoft.com/office/drawing/2014/main" id="{8A569E94-2AEE-9017-90B1-196819FE278B}"/>
+                <a16:creationId xmlns:a16="http://schemas.microsoft.com/office/drawing/2014/main" id="{07DB336D-D5D8-E9D3-E41F-1E20C0857933}"/>
               </a:ext>
             </a:extLst>
           </p:cNvPr>
@@ -1659,7 +1659,7 @@
           <p:cNvPr id="5" name="文本占位符 4">
             <a:extLst>
               <a:ext uri="{FF2B5EF4-FFF2-40B4-BE49-F238E27FC236}">
-                <a16:creationId xmlns:a16="http://schemas.microsoft.com/office/drawing/2014/main" id="{4782A49A-59C9-1147-9699-8183D6DC00B8}"/>
+                <a16:creationId xmlns:a16="http://schemas.microsoft.com/office/drawing/2014/main" id="{9282A7CF-EBC1-022A-FF26-9EFE102F0182}"/>
               </a:ext>
             </a:extLst>
           </p:cNvPr>
@@ -1730,7 +1730,7 @@
           <p:cNvPr id="6" name="内容占位符 5">
             <a:extLst>
               <a:ext uri="{FF2B5EF4-FFF2-40B4-BE49-F238E27FC236}">
-                <a16:creationId xmlns:a16="http://schemas.microsoft.com/office/drawing/2014/main" id="{E68EE020-26BE-83D7-33BB-16674AB1F995}"/>
+                <a16:creationId xmlns:a16="http://schemas.microsoft.com/office/drawing/2014/main" id="{182C7B7A-6696-6D49-DEDB-0645C589B171}"/>
               </a:ext>
             </a:extLst>
           </p:cNvPr>
@@ -1792,7 +1792,7 @@
           <p:cNvPr id="7" name="日期占位符 6">
             <a:extLst>
               <a:ext uri="{FF2B5EF4-FFF2-40B4-BE49-F238E27FC236}">
-                <a16:creationId xmlns:a16="http://schemas.microsoft.com/office/drawing/2014/main" id="{F79A7EF2-85D3-75F8-BEEF-8763E03F0D07}"/>
+                <a16:creationId xmlns:a16="http://schemas.microsoft.com/office/drawing/2014/main" id="{5A7E15AD-9117-F96A-ECCA-7DCEDC305781}"/>
               </a:ext>
             </a:extLst>
           </p:cNvPr>
@@ -1808,7 +1808,7 @@
           <a:bodyPr/>
           <a:lstStyle/>
           <a:p>
-            <a:fld id="{0FDC8F61-C2E6-4650-AD42-B88633AFC05D}" type="datetimeFigureOut">
+            <a:fld id="{1408FFBD-2D67-4358-8D8C-83C60BDBB8E3}" type="datetimeFigureOut">
               <a:rPr lang="zh-CN" altLang="en-US" smtClean="0"/>
               <a:t>2024/3/10</a:t>
             </a:fld>
@@ -1821,7 +1821,7 @@
           <p:cNvPr id="8" name="页脚占位符 7">
             <a:extLst>
               <a:ext uri="{FF2B5EF4-FFF2-40B4-BE49-F238E27FC236}">
-                <a16:creationId xmlns:a16="http://schemas.microsoft.com/office/drawing/2014/main" id="{BA97D794-0C42-A4B6-7666-E3F64FC5E59F}"/>
+                <a16:creationId xmlns:a16="http://schemas.microsoft.com/office/drawing/2014/main" id="{82BE4916-C2B3-4EFF-858F-1781C132FC1B}"/>
               </a:ext>
             </a:extLst>
           </p:cNvPr>
@@ -1846,7 +1846,7 @@
           <p:cNvPr id="9" name="灯片编号占位符 8">
             <a:extLst>
               <a:ext uri="{FF2B5EF4-FFF2-40B4-BE49-F238E27FC236}">
-                <a16:creationId xmlns:a16="http://schemas.microsoft.com/office/drawing/2014/main" id="{2A109FDD-D983-D1B6-4731-E46A50F4D93E}"/>
+                <a16:creationId xmlns:a16="http://schemas.microsoft.com/office/drawing/2014/main" id="{B6DBE1C5-3335-2D37-429C-6B9B1A54E852}"/>
               </a:ext>
             </a:extLst>
           </p:cNvPr>
@@ -1862,7 +1862,7 @@
           <a:bodyPr/>
           <a:lstStyle/>
           <a:p>
-            <a:fld id="{AF3684DE-EDD5-4CDB-9B18-CAF1F932AFE2}" type="slidenum">
+            <a:fld id="{4E3F00B0-F2F1-400F-B43C-814599270182}" type="slidenum">
               <a:rPr lang="zh-CN" altLang="en-US" smtClean="0"/>
               <a:t>‹#›</a:t>
             </a:fld>
@@ -1873,7 +1873,7 @@
     </p:spTree>
     <p:extLst>
       <p:ext uri="{BB962C8B-B14F-4D97-AF65-F5344CB8AC3E}">
-        <p14:creationId xmlns:p14="http://schemas.microsoft.com/office/powerpoint/2010/main" val="3509468603"/>
+        <p14:creationId xmlns:p14="http://schemas.microsoft.com/office/powerpoint/2010/main" val="4258168136"/>
       </p:ext>
     </p:extLst>
   </p:cSld>
@@ -1905,7 +1905,7 @@
           <p:cNvPr id="2" name="标题 1">
             <a:extLst>
               <a:ext uri="{FF2B5EF4-FFF2-40B4-BE49-F238E27FC236}">
-                <a16:creationId xmlns:a16="http://schemas.microsoft.com/office/drawing/2014/main" id="{8A289F0B-4CD0-317A-5933-DC3D961D5AEB}"/>
+                <a16:creationId xmlns:a16="http://schemas.microsoft.com/office/drawing/2014/main" id="{A99C65B5-D44D-D1C2-6F32-1674C576548F}"/>
               </a:ext>
             </a:extLst>
           </p:cNvPr>
@@ -1933,7 +1933,7 @@
           <p:cNvPr id="3" name="日期占位符 2">
             <a:extLst>
               <a:ext uri="{FF2B5EF4-FFF2-40B4-BE49-F238E27FC236}">
-                <a16:creationId xmlns:a16="http://schemas.microsoft.com/office/drawing/2014/main" id="{ADBE6B43-74DE-5F04-311B-347A2D6DB8FF}"/>
+                <a16:creationId xmlns:a16="http://schemas.microsoft.com/office/drawing/2014/main" id="{C799157C-91F1-79C3-FA54-0BF63D4EC424}"/>
               </a:ext>
             </a:extLst>
           </p:cNvPr>
@@ -1949,7 +1949,7 @@
           <a:bodyPr/>
           <a:lstStyle/>
           <a:p>
-            <a:fld id="{0FDC8F61-C2E6-4650-AD42-B88633AFC05D}" type="datetimeFigureOut">
+            <a:fld id="{1408FFBD-2D67-4358-8D8C-83C60BDBB8E3}" type="datetimeFigureOut">
               <a:rPr lang="zh-CN" altLang="en-US" smtClean="0"/>
               <a:t>2024/3/10</a:t>
             </a:fld>
@@ -1962,7 +1962,7 @@
           <p:cNvPr id="4" name="页脚占位符 3">
             <a:extLst>
               <a:ext uri="{FF2B5EF4-FFF2-40B4-BE49-F238E27FC236}">
-                <a16:creationId xmlns:a16="http://schemas.microsoft.com/office/drawing/2014/main" id="{BBA76899-7F66-314D-3841-75368F1CA5EC}"/>
+                <a16:creationId xmlns:a16="http://schemas.microsoft.com/office/drawing/2014/main" id="{972EB883-C88A-BF3D-C73E-2315ADFC0581}"/>
               </a:ext>
             </a:extLst>
           </p:cNvPr>
@@ -1987,7 +1987,7 @@
           <p:cNvPr id="5" name="灯片编号占位符 4">
             <a:extLst>
               <a:ext uri="{FF2B5EF4-FFF2-40B4-BE49-F238E27FC236}">
-                <a16:creationId xmlns:a16="http://schemas.microsoft.com/office/drawing/2014/main" id="{57CA2988-B728-C4D0-558E-AF09ECF3856F}"/>
+                <a16:creationId xmlns:a16="http://schemas.microsoft.com/office/drawing/2014/main" id="{4386A86B-16CA-AF54-36A3-1D63948FA73D}"/>
               </a:ext>
             </a:extLst>
           </p:cNvPr>
@@ -2003,7 +2003,7 @@
           <a:bodyPr/>
           <a:lstStyle/>
           <a:p>
-            <a:fld id="{AF3684DE-EDD5-4CDB-9B18-CAF1F932AFE2}" type="slidenum">
+            <a:fld id="{4E3F00B0-F2F1-400F-B43C-814599270182}" type="slidenum">
               <a:rPr lang="zh-CN" altLang="en-US" smtClean="0"/>
               <a:t>‹#›</a:t>
             </a:fld>
@@ -2014,7 +2014,7 @@
     </p:spTree>
     <p:extLst>
       <p:ext uri="{BB962C8B-B14F-4D97-AF65-F5344CB8AC3E}">
-        <p14:creationId xmlns:p14="http://schemas.microsoft.com/office/powerpoint/2010/main" val="1655621079"/>
+        <p14:creationId xmlns:p14="http://schemas.microsoft.com/office/powerpoint/2010/main" val="3067376494"/>
       </p:ext>
     </p:extLst>
   </p:cSld>
@@ -2046,7 +2046,7 @@
           <p:cNvPr id="2" name="日期占位符 1">
             <a:extLst>
               <a:ext uri="{FF2B5EF4-FFF2-40B4-BE49-F238E27FC236}">
-                <a16:creationId xmlns:a16="http://schemas.microsoft.com/office/drawing/2014/main" id="{125F5DDF-53D8-529A-2383-3B97CBE85AB1}"/>
+                <a16:creationId xmlns:a16="http://schemas.microsoft.com/office/drawing/2014/main" id="{7BAF18F4-B877-558E-1CE8-66F8993C54A6}"/>
               </a:ext>
             </a:extLst>
           </p:cNvPr>
@@ -2062,7 +2062,7 @@
           <a:bodyPr/>
           <a:lstStyle/>
           <a:p>
-            <a:fld id="{0FDC8F61-C2E6-4650-AD42-B88633AFC05D}" type="datetimeFigureOut">
+            <a:fld id="{1408FFBD-2D67-4358-8D8C-83C60BDBB8E3}" type="datetimeFigureOut">
               <a:rPr lang="zh-CN" altLang="en-US" smtClean="0"/>
               <a:t>2024/3/10</a:t>
             </a:fld>
@@ -2075,7 +2075,7 @@
           <p:cNvPr id="3" name="页脚占位符 2">
             <a:extLst>
               <a:ext uri="{FF2B5EF4-FFF2-40B4-BE49-F238E27FC236}">
-                <a16:creationId xmlns:a16="http://schemas.microsoft.com/office/drawing/2014/main" id="{7DA3D374-7DC5-99FA-235D-D4CA751FC82C}"/>
+                <a16:creationId xmlns:a16="http://schemas.microsoft.com/office/drawing/2014/main" id="{62F05878-1DDA-0E85-9090-1CDBFB4F1A62}"/>
               </a:ext>
             </a:extLst>
           </p:cNvPr>
@@ -2100,7 +2100,7 @@
           <p:cNvPr id="4" name="灯片编号占位符 3">
             <a:extLst>
               <a:ext uri="{FF2B5EF4-FFF2-40B4-BE49-F238E27FC236}">
-                <a16:creationId xmlns:a16="http://schemas.microsoft.com/office/drawing/2014/main" id="{812A5657-650E-6006-31D0-B4B204AF31E2}"/>
+                <a16:creationId xmlns:a16="http://schemas.microsoft.com/office/drawing/2014/main" id="{6BFA761B-A699-BB9F-B037-71B235FEB03D}"/>
               </a:ext>
             </a:extLst>
           </p:cNvPr>
@@ -2116,7 +2116,7 @@
           <a:bodyPr/>
           <a:lstStyle/>
           <a:p>
-            <a:fld id="{AF3684DE-EDD5-4CDB-9B18-CAF1F932AFE2}" type="slidenum">
+            <a:fld id="{4E3F00B0-F2F1-400F-B43C-814599270182}" type="slidenum">
               <a:rPr lang="zh-CN" altLang="en-US" smtClean="0"/>
               <a:t>‹#›</a:t>
             </a:fld>
@@ -2127,7 +2127,7 @@
     </p:spTree>
     <p:extLst>
       <p:ext uri="{BB962C8B-B14F-4D97-AF65-F5344CB8AC3E}">
-        <p14:creationId xmlns:p14="http://schemas.microsoft.com/office/powerpoint/2010/main" val="3090841038"/>
+        <p14:creationId xmlns:p14="http://schemas.microsoft.com/office/powerpoint/2010/main" val="2500620812"/>
       </p:ext>
     </p:extLst>
   </p:cSld>
@@ -2159,7 +2159,7 @@
           <p:cNvPr id="2" name="标题 1">
             <a:extLst>
               <a:ext uri="{FF2B5EF4-FFF2-40B4-BE49-F238E27FC236}">
-                <a16:creationId xmlns:a16="http://schemas.microsoft.com/office/drawing/2014/main" id="{3D129AB9-3BAA-F4F9-8D36-50DD067A9FBB}"/>
+                <a16:creationId xmlns:a16="http://schemas.microsoft.com/office/drawing/2014/main" id="{99B428AB-0FEB-6682-BD97-884826B106DE}"/>
               </a:ext>
             </a:extLst>
           </p:cNvPr>
@@ -2196,7 +2196,7 @@
           <p:cNvPr id="3" name="内容占位符 2">
             <a:extLst>
               <a:ext uri="{FF2B5EF4-FFF2-40B4-BE49-F238E27FC236}">
-                <a16:creationId xmlns:a16="http://schemas.microsoft.com/office/drawing/2014/main" id="{013219C1-F594-E54B-7CD5-CA74F983D6F8}"/>
+                <a16:creationId xmlns:a16="http://schemas.microsoft.com/office/drawing/2014/main" id="{9D9A7E9E-B77C-5D68-127E-D3AD97984F29}"/>
               </a:ext>
             </a:extLst>
           </p:cNvPr>
@@ -2286,7 +2286,7 @@
           <p:cNvPr id="4" name="文本占位符 3">
             <a:extLst>
               <a:ext uri="{FF2B5EF4-FFF2-40B4-BE49-F238E27FC236}">
-                <a16:creationId xmlns:a16="http://schemas.microsoft.com/office/drawing/2014/main" id="{F576E0E3-B26C-E4E4-E02D-5B21BD524500}"/>
+                <a16:creationId xmlns:a16="http://schemas.microsoft.com/office/drawing/2014/main" id="{CFD09783-1145-C336-DDDD-195E127CF8D2}"/>
               </a:ext>
             </a:extLst>
           </p:cNvPr>
@@ -2357,7 +2357,7 @@
           <p:cNvPr id="5" name="日期占位符 4">
             <a:extLst>
               <a:ext uri="{FF2B5EF4-FFF2-40B4-BE49-F238E27FC236}">
-                <a16:creationId xmlns:a16="http://schemas.microsoft.com/office/drawing/2014/main" id="{82847B13-8EA3-D77E-D7C1-F55C8B9BA03B}"/>
+                <a16:creationId xmlns:a16="http://schemas.microsoft.com/office/drawing/2014/main" id="{D61CBA3B-3D31-0398-932A-53A0665D4E53}"/>
               </a:ext>
             </a:extLst>
           </p:cNvPr>
@@ -2373,7 +2373,7 @@
           <a:bodyPr/>
           <a:lstStyle/>
           <a:p>
-            <a:fld id="{0FDC8F61-C2E6-4650-AD42-B88633AFC05D}" type="datetimeFigureOut">
+            <a:fld id="{1408FFBD-2D67-4358-8D8C-83C60BDBB8E3}" type="datetimeFigureOut">
               <a:rPr lang="zh-CN" altLang="en-US" smtClean="0"/>
               <a:t>2024/3/10</a:t>
             </a:fld>
@@ -2386,7 +2386,7 @@
           <p:cNvPr id="6" name="页脚占位符 5">
             <a:extLst>
               <a:ext uri="{FF2B5EF4-FFF2-40B4-BE49-F238E27FC236}">
-                <a16:creationId xmlns:a16="http://schemas.microsoft.com/office/drawing/2014/main" id="{FD7CDE27-8A5C-17F3-B875-0347295DDF85}"/>
+                <a16:creationId xmlns:a16="http://schemas.microsoft.com/office/drawing/2014/main" id="{AD1A4B2F-A9A9-D76C-98F7-FE27E780A1F7}"/>
               </a:ext>
             </a:extLst>
           </p:cNvPr>
@@ -2411,7 +2411,7 @@
           <p:cNvPr id="7" name="灯片编号占位符 6">
             <a:extLst>
               <a:ext uri="{FF2B5EF4-FFF2-40B4-BE49-F238E27FC236}">
-                <a16:creationId xmlns:a16="http://schemas.microsoft.com/office/drawing/2014/main" id="{1AD88723-BA2F-CFD7-E926-71CD0A59D156}"/>
+                <a16:creationId xmlns:a16="http://schemas.microsoft.com/office/drawing/2014/main" id="{A5FDED19-EE0C-3C3B-5CC1-20C3029CBDAF}"/>
               </a:ext>
             </a:extLst>
           </p:cNvPr>
@@ -2427,7 +2427,7 @@
           <a:bodyPr/>
           <a:lstStyle/>
           <a:p>
-            <a:fld id="{AF3684DE-EDD5-4CDB-9B18-CAF1F932AFE2}" type="slidenum">
+            <a:fld id="{4E3F00B0-F2F1-400F-B43C-814599270182}" type="slidenum">
               <a:rPr lang="zh-CN" altLang="en-US" smtClean="0"/>
               <a:t>‹#›</a:t>
             </a:fld>
@@ -2438,7 +2438,7 @@
     </p:spTree>
     <p:extLst>
       <p:ext uri="{BB962C8B-B14F-4D97-AF65-F5344CB8AC3E}">
-        <p14:creationId xmlns:p14="http://schemas.microsoft.com/office/powerpoint/2010/main" val="434862384"/>
+        <p14:creationId xmlns:p14="http://schemas.microsoft.com/office/powerpoint/2010/main" val="4253701532"/>
       </p:ext>
     </p:extLst>
   </p:cSld>
@@ -2470,7 +2470,7 @@
           <p:cNvPr id="2" name="标题 1">
             <a:extLst>
               <a:ext uri="{FF2B5EF4-FFF2-40B4-BE49-F238E27FC236}">
-                <a16:creationId xmlns:a16="http://schemas.microsoft.com/office/drawing/2014/main" id="{D2B8DA61-0963-598F-465A-FD913BF9B9E6}"/>
+                <a16:creationId xmlns:a16="http://schemas.microsoft.com/office/drawing/2014/main" id="{C1A4AC2E-9709-366F-CFC3-B856F1D164F7}"/>
               </a:ext>
             </a:extLst>
           </p:cNvPr>
@@ -2507,7 +2507,7 @@
           <p:cNvPr id="3" name="图片占位符 2">
             <a:extLst>
               <a:ext uri="{FF2B5EF4-FFF2-40B4-BE49-F238E27FC236}">
-                <a16:creationId xmlns:a16="http://schemas.microsoft.com/office/drawing/2014/main" id="{FB65B017-FF82-2A37-4CD3-12ECC245FE02}"/>
+                <a16:creationId xmlns:a16="http://schemas.microsoft.com/office/drawing/2014/main" id="{BD726318-931C-1AEE-B311-5E0395B6FB1A}"/>
               </a:ext>
             </a:extLst>
           </p:cNvPr>
@@ -2574,7 +2574,7 @@
           <p:cNvPr id="4" name="文本占位符 3">
             <a:extLst>
               <a:ext uri="{FF2B5EF4-FFF2-40B4-BE49-F238E27FC236}">
-                <a16:creationId xmlns:a16="http://schemas.microsoft.com/office/drawing/2014/main" id="{B1F39775-CBD9-953D-6E1A-7CD7E680EC51}"/>
+                <a16:creationId xmlns:a16="http://schemas.microsoft.com/office/drawing/2014/main" id="{83F1EFF1-B2BE-8643-FB4F-F9ACDE54BA2E}"/>
               </a:ext>
             </a:extLst>
           </p:cNvPr>
@@ -2645,7 +2645,7 @@
           <p:cNvPr id="5" name="日期占位符 4">
             <a:extLst>
               <a:ext uri="{FF2B5EF4-FFF2-40B4-BE49-F238E27FC236}">
-                <a16:creationId xmlns:a16="http://schemas.microsoft.com/office/drawing/2014/main" id="{6369C9FD-DF66-63F0-693B-860D78C59513}"/>
+                <a16:creationId xmlns:a16="http://schemas.microsoft.com/office/drawing/2014/main" id="{2F55AF71-2BA5-74DC-1E1B-9123E7415EB4}"/>
               </a:ext>
             </a:extLst>
           </p:cNvPr>
@@ -2661,7 +2661,7 @@
           <a:bodyPr/>
           <a:lstStyle/>
           <a:p>
-            <a:fld id="{0FDC8F61-C2E6-4650-AD42-B88633AFC05D}" type="datetimeFigureOut">
+            <a:fld id="{1408FFBD-2D67-4358-8D8C-83C60BDBB8E3}" type="datetimeFigureOut">
               <a:rPr lang="zh-CN" altLang="en-US" smtClean="0"/>
               <a:t>2024/3/10</a:t>
             </a:fld>
@@ -2674,7 +2674,7 @@
           <p:cNvPr id="6" name="页脚占位符 5">
             <a:extLst>
               <a:ext uri="{FF2B5EF4-FFF2-40B4-BE49-F238E27FC236}">
-                <a16:creationId xmlns:a16="http://schemas.microsoft.com/office/drawing/2014/main" id="{579D7FC9-B631-DB12-41FA-26FAF37331C1}"/>
+                <a16:creationId xmlns:a16="http://schemas.microsoft.com/office/drawing/2014/main" id="{108E48D2-5C3D-6E33-C731-9FEF8B8538B7}"/>
               </a:ext>
             </a:extLst>
           </p:cNvPr>
@@ -2699,7 +2699,7 @@
           <p:cNvPr id="7" name="灯片编号占位符 6">
             <a:extLst>
               <a:ext uri="{FF2B5EF4-FFF2-40B4-BE49-F238E27FC236}">
-                <a16:creationId xmlns:a16="http://schemas.microsoft.com/office/drawing/2014/main" id="{C7FDC2A6-DD39-4B07-C725-9669A1AE92B6}"/>
+                <a16:creationId xmlns:a16="http://schemas.microsoft.com/office/drawing/2014/main" id="{63F5C0A0-B519-99D0-FC37-45BF700CC5FD}"/>
               </a:ext>
             </a:extLst>
           </p:cNvPr>
@@ -2715,7 +2715,7 @@
           <a:bodyPr/>
           <a:lstStyle/>
           <a:p>
-            <a:fld id="{AF3684DE-EDD5-4CDB-9B18-CAF1F932AFE2}" type="slidenum">
+            <a:fld id="{4E3F00B0-F2F1-400F-B43C-814599270182}" type="slidenum">
               <a:rPr lang="zh-CN" altLang="en-US" smtClean="0"/>
               <a:t>‹#›</a:t>
             </a:fld>
@@ -2726,7 +2726,7 @@
     </p:spTree>
     <p:extLst>
       <p:ext uri="{BB962C8B-B14F-4D97-AF65-F5344CB8AC3E}">
-        <p14:creationId xmlns:p14="http://schemas.microsoft.com/office/powerpoint/2010/main" val="3626948120"/>
+        <p14:creationId xmlns:p14="http://schemas.microsoft.com/office/powerpoint/2010/main" val="2974323042"/>
       </p:ext>
     </p:extLst>
   </p:cSld>
@@ -2763,7 +2763,7 @@
           <p:cNvPr id="2" name="标题占位符 1">
             <a:extLst>
               <a:ext uri="{FF2B5EF4-FFF2-40B4-BE49-F238E27FC236}">
-                <a16:creationId xmlns:a16="http://schemas.microsoft.com/office/drawing/2014/main" id="{2FB077EE-91D5-C3E6-CBBF-1A3C1FAD9CDE}"/>
+                <a16:creationId xmlns:a16="http://schemas.microsoft.com/office/drawing/2014/main" id="{19CADE0C-47AD-D80A-6D0A-61FEBBFE5146}"/>
               </a:ext>
             </a:extLst>
           </p:cNvPr>
@@ -2801,7 +2801,7 @@
           <p:cNvPr id="3" name="文本占位符 2">
             <a:extLst>
               <a:ext uri="{FF2B5EF4-FFF2-40B4-BE49-F238E27FC236}">
-                <a16:creationId xmlns:a16="http://schemas.microsoft.com/office/drawing/2014/main" id="{F6D3161C-CC03-D462-17D2-2B2678B812C3}"/>
+                <a16:creationId xmlns:a16="http://schemas.microsoft.com/office/drawing/2014/main" id="{EDDDAFC2-8C6C-BB34-EF1A-8BF95CE3ED52}"/>
               </a:ext>
             </a:extLst>
           </p:cNvPr>
@@ -2868,7 +2868,7 @@
           <p:cNvPr id="4" name="日期占位符 3">
             <a:extLst>
               <a:ext uri="{FF2B5EF4-FFF2-40B4-BE49-F238E27FC236}">
-                <a16:creationId xmlns:a16="http://schemas.microsoft.com/office/drawing/2014/main" id="{1E38CE7D-06A2-2348-0801-C49FE8FF1050}"/>
+                <a16:creationId xmlns:a16="http://schemas.microsoft.com/office/drawing/2014/main" id="{AD748764-221B-5A2E-85ED-295BE6899E99}"/>
               </a:ext>
             </a:extLst>
           </p:cNvPr>
@@ -2902,7 +2902,7 @@
             </a:lvl1pPr>
           </a:lstStyle>
           <a:p>
-            <a:fld id="{0FDC8F61-C2E6-4650-AD42-B88633AFC05D}" type="datetimeFigureOut">
+            <a:fld id="{1408FFBD-2D67-4358-8D8C-83C60BDBB8E3}" type="datetimeFigureOut">
               <a:rPr lang="zh-CN" altLang="en-US" smtClean="0"/>
               <a:t>2024/3/10</a:t>
             </a:fld>
@@ -2915,7 +2915,7 @@
           <p:cNvPr id="5" name="页脚占位符 4">
             <a:extLst>
               <a:ext uri="{FF2B5EF4-FFF2-40B4-BE49-F238E27FC236}">
-                <a16:creationId xmlns:a16="http://schemas.microsoft.com/office/drawing/2014/main" id="{A9F25BBA-1DFE-C38A-D949-2860F838A104}"/>
+                <a16:creationId xmlns:a16="http://schemas.microsoft.com/office/drawing/2014/main" id="{B9C72E3D-EE0D-93EE-59C5-437C280C3429}"/>
               </a:ext>
             </a:extLst>
           </p:cNvPr>
@@ -2958,7 +2958,7 @@
           <p:cNvPr id="6" name="灯片编号占位符 5">
             <a:extLst>
               <a:ext uri="{FF2B5EF4-FFF2-40B4-BE49-F238E27FC236}">
-                <a16:creationId xmlns:a16="http://schemas.microsoft.com/office/drawing/2014/main" id="{E3026AB2-B3A5-CAEA-03CC-5506FFC88A89}"/>
+                <a16:creationId xmlns:a16="http://schemas.microsoft.com/office/drawing/2014/main" id="{AE84874E-146E-A414-6C64-34E07F3C4287}"/>
               </a:ext>
             </a:extLst>
           </p:cNvPr>
@@ -2992,7 +2992,7 @@
             </a:lvl1pPr>
           </a:lstStyle>
           <a:p>
-            <a:fld id="{AF3684DE-EDD5-4CDB-9B18-CAF1F932AFE2}" type="slidenum">
+            <a:fld id="{4E3F00B0-F2F1-400F-B43C-814599270182}" type="slidenum">
               <a:rPr lang="zh-CN" altLang="en-US" smtClean="0"/>
               <a:t>‹#›</a:t>
             </a:fld>
@@ -3003,7 +3003,7 @@
     </p:spTree>
     <p:extLst>
       <p:ext uri="{BB962C8B-B14F-4D97-AF65-F5344CB8AC3E}">
-        <p14:creationId xmlns:p14="http://schemas.microsoft.com/office/powerpoint/2010/main" val="953104560"/>
+        <p14:creationId xmlns:p14="http://schemas.microsoft.com/office/powerpoint/2010/main" val="553315043"/>
       </p:ext>
     </p:extLst>
   </p:cSld>
